--- a/Lesson4/AdvancedRoboticsLesson4.pptx
+++ b/Lesson4/AdvancedRoboticsLesson4.pptx
@@ -11,12 +11,12 @@
     <p:sldId id="266" r:id="rId2"/>
     <p:sldId id="274" r:id="rId3"/>
     <p:sldId id="272" r:id="rId4"/>
-    <p:sldId id="273" r:id="rId5"/>
+    <p:sldId id="282" r:id="rId5"/>
     <p:sldId id="276" r:id="rId6"/>
-    <p:sldId id="277" r:id="rId7"/>
-    <p:sldId id="278" r:id="rId8"/>
-    <p:sldId id="279" r:id="rId9"/>
-    <p:sldId id="280" r:id="rId10"/>
+    <p:sldId id="273" r:id="rId7"/>
+    <p:sldId id="281" r:id="rId8"/>
+    <p:sldId id="277" r:id="rId9"/>
+    <p:sldId id="278" r:id="rId10"/>
   </p:sldIdLst>
   <p:sldSz cx="12192000" cy="6858000"/>
   <p:notesSz cx="6858000" cy="9144000"/>
@@ -205,7 +205,7 @@
           <a:p>
             <a:fld id="{88DFE0DC-517A-40C1-B3B1-8C641051689B}" type="datetimeFigureOut">
               <a:rPr lang="en-US" smtClean="0"/>
-              <a:t>11/16/2020</a:t>
+              <a:t>11/23/2020</a:t>
             </a:fld>
             <a:endParaRPr lang="en-US"/>
           </a:p>
@@ -892,7 +892,7 @@
             <a:fld id="{5923F103-BC34-4FE4-A40E-EDDEECFDA5D0}" type="datetimeFigureOut">
               <a:rPr lang="en-US" dirty="0"/>
               <a:pPr/>
-              <a:t>11/16/2020</a:t>
+              <a:t>11/23/2020</a:t>
             </a:fld>
             <a:endParaRPr lang="en-US" dirty="0"/>
           </a:p>
@@ -1976,7 +1976,7 @@
           <a:p>
             <a:fld id="{923A1CC3-2375-41D4-9E03-427CAF2A4C1A}" type="datetimeFigureOut">
               <a:rPr lang="en-US" dirty="0"/>
-              <a:t>11/16/2020</a:t>
+              <a:t>11/23/2020</a:t>
             </a:fld>
             <a:endParaRPr lang="en-US" dirty="0"/>
           </a:p>
@@ -2952,7 +2952,7 @@
           <a:p>
             <a:fld id="{AFF16868-8199-4C2C-A5B1-63AEE139F88E}" type="datetimeFigureOut">
               <a:rPr lang="en-US" dirty="0"/>
-              <a:t>11/16/2020</a:t>
+              <a:t>11/23/2020</a:t>
             </a:fld>
             <a:endParaRPr lang="en-US" dirty="0"/>
           </a:p>
@@ -4082,7 +4082,7 @@
           <a:p>
             <a:fld id="{AAD9FF7F-6988-44CC-821B-644E70CD2F73}" type="datetimeFigureOut">
               <a:rPr lang="en-US" dirty="0"/>
-              <a:t>11/16/2020</a:t>
+              <a:t>11/23/2020</a:t>
             </a:fld>
             <a:endParaRPr lang="en-US" dirty="0"/>
           </a:p>
@@ -5111,7 +5111,7 @@
           <a:p>
             <a:fld id="{5C12C299-16B2-4475-990D-751901EACC14}" type="datetimeFigureOut">
               <a:rPr lang="en-US" dirty="0"/>
-              <a:t>11/16/2020</a:t>
+              <a:t>11/23/2020</a:t>
             </a:fld>
             <a:endParaRPr lang="en-US" dirty="0"/>
           </a:p>
@@ -5767,7 +5767,7 @@
           <a:p>
             <a:fld id="{9FE86839-B9D8-4651-8783-F325ECE74E65}" type="datetimeFigureOut">
               <a:rPr lang="en-US" dirty="0"/>
-              <a:t>11/16/2020</a:t>
+              <a:t>11/23/2020</a:t>
             </a:fld>
             <a:endParaRPr lang="en-US" dirty="0"/>
           </a:p>
@@ -6624,7 +6624,7 @@
           <a:p>
             <a:fld id="{FD484F64-32F6-45C5-931F-ADC1662401D0}" type="datetimeFigureOut">
               <a:rPr lang="en-US" dirty="0"/>
-              <a:t>11/16/2020</a:t>
+              <a:t>11/23/2020</a:t>
             </a:fld>
             <a:endParaRPr lang="en-US" dirty="0"/>
           </a:p>
@@ -6810,7 +6810,7 @@
           <a:p>
             <a:fld id="{53086D93-FCAC-47E0-A2EE-787E62CA814C}" type="datetimeFigureOut">
               <a:rPr lang="en-US" dirty="0"/>
-              <a:t>11/16/2020</a:t>
+              <a:t>11/23/2020</a:t>
             </a:fld>
             <a:endParaRPr lang="en-US" dirty="0"/>
           </a:p>
@@ -7778,7 +7778,7 @@
           <a:p>
             <a:fld id="{CDA879A6-0FD0-4734-A311-86BFCA472E6E}" type="datetimeFigureOut">
               <a:rPr lang="en-US" dirty="0"/>
-              <a:t>11/16/2020</a:t>
+              <a:t>11/23/2020</a:t>
             </a:fld>
             <a:endParaRPr lang="en-US" dirty="0"/>
           </a:p>
@@ -7985,7 +7985,7 @@
           <a:p>
             <a:fld id="{19C9CA7B-DFD4-44B5-8C60-D14B8CD1FB59}" type="datetimeFigureOut">
               <a:rPr lang="en-US" dirty="0"/>
-              <a:t>11/16/2020</a:t>
+              <a:t>11/23/2020</a:t>
             </a:fld>
             <a:endParaRPr lang="en-US" dirty="0"/>
           </a:p>
@@ -9015,7 +9015,7 @@
           <a:p>
             <a:fld id="{F34E6425-0181-43F2-84FC-787E803FD2F8}" type="datetimeFigureOut">
               <a:rPr lang="en-US" dirty="0"/>
-              <a:t>11/16/2020</a:t>
+              <a:t>11/23/2020</a:t>
             </a:fld>
             <a:endParaRPr lang="en-US" dirty="0"/>
           </a:p>
@@ -9283,7 +9283,7 @@
           <a:p>
             <a:fld id="{3BDB8791-F1B0-41E7-B7FD-A781E65C4266}" type="datetimeFigureOut">
               <a:rPr lang="en-US" dirty="0"/>
-              <a:t>11/16/2020</a:t>
+              <a:t>11/23/2020</a:t>
             </a:fld>
             <a:endParaRPr lang="en-US" dirty="0"/>
           </a:p>
@@ -9689,7 +9689,7 @@
           <a:p>
             <a:fld id="{5FDD63B2-E120-4ED8-B27B-C685F510A5FE}" type="datetimeFigureOut">
               <a:rPr lang="en-US" dirty="0"/>
-              <a:t>11/16/2020</a:t>
+              <a:t>11/23/2020</a:t>
             </a:fld>
             <a:endParaRPr lang="en-US" dirty="0"/>
           </a:p>
@@ -9812,7 +9812,7 @@
           <a:p>
             <a:fld id="{7AA18ACC-A947-437B-A130-35BD54FDF1E9}" type="datetimeFigureOut">
               <a:rPr lang="en-US" dirty="0"/>
-              <a:t>11/16/2020</a:t>
+              <a:t>11/23/2020</a:t>
             </a:fld>
             <a:endParaRPr lang="en-US" dirty="0"/>
           </a:p>
@@ -9903,7 +9903,7 @@
           <a:p>
             <a:fld id="{7C8D7E02-BCB8-4D50-A234-369438C08659}" type="datetimeFigureOut">
               <a:rPr lang="en-US" dirty="0"/>
-              <a:t>11/16/2020</a:t>
+              <a:t>11/23/2020</a:t>
             </a:fld>
             <a:endParaRPr lang="en-US" dirty="0"/>
           </a:p>
@@ -10980,7 +10980,7 @@
           <a:p>
             <a:fld id="{76E86A4C-8E40-4F87-A4F0-01A0687C5742}" type="datetimeFigureOut">
               <a:rPr lang="en-US" dirty="0"/>
-              <a:t>11/16/2020</a:t>
+              <a:t>11/23/2020</a:t>
             </a:fld>
             <a:endParaRPr lang="en-US" dirty="0"/>
           </a:p>
@@ -12084,7 +12084,7 @@
           <a:p>
             <a:fld id="{35E72C73-2D91-4E12-BA25-F0AA0C03599B}" type="datetimeFigureOut">
               <a:rPr lang="en-US" dirty="0"/>
-              <a:t>11/16/2020</a:t>
+              <a:t>11/23/2020</a:t>
             </a:fld>
             <a:endParaRPr lang="en-US" dirty="0"/>
           </a:p>
@@ -13077,7 +13077,7 @@
           <a:p>
             <a:fld id="{2BE451C3-0FF4-47C4-B829-773ADF60F88C}" type="datetimeFigureOut">
               <a:rPr lang="en-US" dirty="0"/>
-              <a:t>11/16/2020</a:t>
+              <a:t>11/23/2020</a:t>
             </a:fld>
             <a:endParaRPr lang="en-US" dirty="0"/>
           </a:p>
@@ -13668,7 +13668,7 @@
             </a:br>
             <a:r>
               <a:rPr lang="en-US" sz="2800" dirty="0"/>
-              <a:t>Lesson 4: Robot Subsystems</a:t>
+              <a:t>Lesson 4: Simple Actuators</a:t>
             </a:r>
           </a:p>
         </p:txBody>
@@ -13814,7 +13814,7 @@
             <a:pPr lvl="1"/>
             <a:r>
               <a:rPr lang="en-US" dirty="0"/>
-              <a:t>Enhanced Servo</a:t>
+              <a:t>Game Controller Buttons</a:t>
             </a:r>
           </a:p>
           <a:p>
@@ -13828,6 +13828,20 @@
             <a:pPr lvl="1"/>
             <a:r>
               <a:rPr lang="en-US" dirty="0"/>
+              <a:t>Enhanced Servo</a:t>
+            </a:r>
+          </a:p>
+          <a:p>
+            <a:pPr lvl="1"/>
+            <a:r>
+              <a:rPr lang="en-US" dirty="0"/>
+              <a:t>Student Exercise: Control a grabber using game controller button</a:t>
+            </a:r>
+          </a:p>
+          <a:p>
+            <a:pPr lvl="1"/>
+            <a:r>
+              <a:rPr lang="en-US" dirty="0"/>
               <a:t>Pneumatic</a:t>
             </a:r>
           </a:p>
@@ -13836,20 +13850,6 @@
             <a:r>
               <a:rPr lang="en-US" dirty="0"/>
               <a:t>Student Exercise: Control pneumatic using buttons on a button panel</a:t>
-            </a:r>
-          </a:p>
-          <a:p>
-            <a:pPr lvl="1"/>
-            <a:r>
-              <a:rPr lang="en-US" dirty="0"/>
-              <a:t>PID Controlled Actuators (e.g. Elevator)</a:t>
-            </a:r>
-          </a:p>
-          <a:p>
-            <a:pPr lvl="1"/>
-            <a:r>
-              <a:rPr lang="en-US" dirty="0"/>
-              <a:t>Student Exercise: Control an elevator using a joystick</a:t>
             </a:r>
           </a:p>
         </p:txBody>
@@ -13928,10 +13928,29 @@
             <p:ph idx="1"/>
           </p:nvPr>
         </p:nvSpPr>
-        <p:spPr/>
+        <p:spPr>
+          <a:xfrm>
+            <a:off x="1154955" y="2603499"/>
+            <a:ext cx="6160246" cy="3990247"/>
+          </a:xfrm>
+        </p:spPr>
         <p:txBody>
-          <a:bodyPr/>
+          <a:bodyPr>
+            <a:normAutofit/>
+          </a:bodyPr>
           <a:lstStyle/>
+          <a:p>
+            <a:r>
+              <a:rPr lang="en-US" dirty="0"/>
+              <a:t>Two types of servos: positional servo, continuous servo.</a:t>
+            </a:r>
+          </a:p>
+          <a:p>
+            <a:r>
+              <a:rPr lang="en-US" dirty="0"/>
+              <a:t>Servos are controlled by PWM.</a:t>
+            </a:r>
+          </a:p>
           <a:p>
             <a:r>
               <a:rPr lang="en-US" dirty="0"/>
@@ -13977,6 +13996,36 @@
           </a:p>
         </p:txBody>
       </p:sp>
+      <p:pic>
+        <p:nvPicPr>
+          <p:cNvPr id="5" name="Picture 4">
+            <a:extLst>
+              <a:ext uri="{FF2B5EF4-FFF2-40B4-BE49-F238E27FC236}">
+                <a16:creationId xmlns:a16="http://schemas.microsoft.com/office/drawing/2014/main" id="{C55EEEEF-26E2-49A5-A0AD-6726B838DB3F}"/>
+              </a:ext>
+            </a:extLst>
+          </p:cNvPr>
+          <p:cNvPicPr>
+            <a:picLocks noChangeAspect="1"/>
+          </p:cNvPicPr>
+          <p:nvPr/>
+        </p:nvPicPr>
+        <p:blipFill>
+          <a:blip r:embed="rId2"/>
+          <a:stretch>
+            <a:fillRect/>
+          </a:stretch>
+        </p:blipFill>
+        <p:spPr>
+          <a:xfrm>
+            <a:off x="7250910" y="3116102"/>
+            <a:ext cx="4941090" cy="3416300"/>
+          </a:xfrm>
+          <a:prstGeom prst="rect">
+            <a:avLst/>
+          </a:prstGeom>
+        </p:spPr>
+      </p:pic>
     </p:spTree>
     <p:extLst>
       <p:ext uri="{BB962C8B-B14F-4D97-AF65-F5344CB8AC3E}">
@@ -14012,7 +14061,7 @@
           <p:cNvPr id="2" name="Title 1">
             <a:extLst>
               <a:ext uri="{FF2B5EF4-FFF2-40B4-BE49-F238E27FC236}">
-                <a16:creationId xmlns:a16="http://schemas.microsoft.com/office/drawing/2014/main" id="{525893B9-344E-48A3-9A68-0A605A95634A}"/>
+                <a16:creationId xmlns:a16="http://schemas.microsoft.com/office/drawing/2014/main" id="{32FECB33-D1CD-45F0-A873-36C28D2877FF}"/>
               </a:ext>
             </a:extLst>
           </p:cNvPr>
@@ -14030,7 +14079,7 @@
           <a:p>
             <a:r>
               <a:rPr lang="en-US" dirty="0"/>
-              <a:t>Enhanced Servo</a:t>
+              <a:t>Game Controller Buttons</a:t>
             </a:r>
           </a:p>
         </p:txBody>
@@ -14040,7 +14089,7 @@
           <p:cNvPr id="3" name="Content Placeholder 2">
             <a:extLst>
               <a:ext uri="{FF2B5EF4-FFF2-40B4-BE49-F238E27FC236}">
-                <a16:creationId xmlns:a16="http://schemas.microsoft.com/office/drawing/2014/main" id="{600D47D3-09E7-4EFE-99BC-3A72AFB5BF74}"/>
+                <a16:creationId xmlns:a16="http://schemas.microsoft.com/office/drawing/2014/main" id="{604BEABE-24AA-4EEE-A99A-BF45DF7DD24A}"/>
               </a:ext>
             </a:extLst>
           </p:cNvPr>
@@ -14060,65 +14109,46 @@
           <a:p>
             <a:r>
               <a:rPr lang="en-US" dirty="0"/>
-              <a:t>Create an instance of an enhanced servo object.</a:t>
-            </a:r>
-          </a:p>
-          <a:p>
-            <a:r>
-              <a:rPr lang="en-US" dirty="0" err="1"/>
-              <a:t>TrcEnhancedServo</a:t>
-            </a:r>
+              <a:t>Create an instance of a game controller object.</a:t>
+            </a:r>
+          </a:p>
+          <a:p>
             <a:r>
               <a:rPr lang="en-US" dirty="0"/>
-              <a:t> – Constructor needs instance name, one or two physical servos, optional lower/upper limit switches.</a:t>
+              <a:t>Create a button event handler and hook it up to the game controller object.</a:t>
             </a:r>
           </a:p>
           <a:p>
             <a:r>
               <a:rPr lang="en-US" dirty="0"/>
-              <a:t>Enhanced servo object properties:</a:t>
+              <a:t>Button event handler gets called when a button is pressed and when a button is released.</a:t>
+            </a:r>
+          </a:p>
+          <a:p>
+            <a:r>
+              <a:rPr lang="en-US" dirty="0"/>
+              <a:t>Three different ways to control action using buttons, for example:</a:t>
             </a:r>
           </a:p>
           <a:p>
             <a:pPr lvl="1"/>
             <a:r>
               <a:rPr lang="en-US" dirty="0"/>
-              <a:t>Dual servo support.</a:t>
+              <a:t>One button to close the grabber, another button to open the grabber.</a:t>
             </a:r>
           </a:p>
           <a:p>
             <a:pPr lvl="1"/>
             <a:r>
               <a:rPr lang="en-US" dirty="0"/>
-              <a:t>Regular servo vs continuous servo.</a:t>
+              <a:t>Press the button to close the grabber, release the button to open the grabber.</a:t>
             </a:r>
           </a:p>
           <a:p>
             <a:pPr lvl="1"/>
             <a:r>
               <a:rPr lang="en-US" dirty="0"/>
-              <a:t>Limit switches support.</a:t>
-            </a:r>
-          </a:p>
-          <a:p>
-            <a:pPr lvl="1"/>
-            <a:r>
-              <a:rPr lang="en-US" dirty="0"/>
-              <a:t>Encoder support.</a:t>
-            </a:r>
-          </a:p>
-          <a:p>
-            <a:pPr lvl="1"/>
-            <a:r>
-              <a:rPr lang="en-US" dirty="0"/>
-              <a:t>Range calibration.</a:t>
-            </a:r>
-          </a:p>
-          <a:p>
-            <a:pPr lvl="1"/>
-            <a:r>
-              <a:rPr lang="en-US" dirty="0"/>
-              <a:t>Speed control and step mode.</a:t>
+              <a:t>Press the button once to close the grabber, press it again to open the grabber (i.e. Toggle button)</a:t>
             </a:r>
           </a:p>
         </p:txBody>
@@ -14126,7 +14156,7 @@
     </p:spTree>
     <p:extLst>
       <p:ext uri="{BB962C8B-B14F-4D97-AF65-F5344CB8AC3E}">
-        <p14:creationId xmlns:p14="http://schemas.microsoft.com/office/powerpoint/2010/main" val="3569371887"/>
+        <p14:creationId xmlns:p14="http://schemas.microsoft.com/office/powerpoint/2010/main" val="2954666250"/>
       </p:ext>
     </p:extLst>
   </p:cSld>
@@ -14171,8 +14201,8 @@
         </p:nvSpPr>
         <p:spPr>
           <a:xfrm>
-            <a:off x="528506" y="838200"/>
-            <a:ext cx="10242958" cy="955800"/>
+            <a:off x="1154954" y="838200"/>
+            <a:ext cx="9616510" cy="955800"/>
           </a:xfrm>
         </p:spPr>
         <p:txBody>
@@ -14245,6 +14275,13 @@
             <a:r>
               <a:rPr lang="en-US" dirty="0"/>
               <a:t>Add code to display servo status.</a:t>
+            </a:r>
+          </a:p>
+          <a:p>
+            <a:pPr lvl="1"/>
+            <a:r>
+              <a:rPr lang="en-US" dirty="0"/>
+              <a:t>Extra credit: control the servo with 2 buttons, 1 button and toggle button.</a:t>
             </a:r>
           </a:p>
         </p:txBody>
@@ -14284,6 +14321,294 @@
           <p:cNvPr id="2" name="Title 1">
             <a:extLst>
               <a:ext uri="{FF2B5EF4-FFF2-40B4-BE49-F238E27FC236}">
+                <a16:creationId xmlns:a16="http://schemas.microsoft.com/office/drawing/2014/main" id="{525893B9-344E-48A3-9A68-0A605A95634A}"/>
+              </a:ext>
+            </a:extLst>
+          </p:cNvPr>
+          <p:cNvSpPr>
+            <a:spLocks noGrp="1"/>
+          </p:cNvSpPr>
+          <p:nvPr>
+            <p:ph type="title"/>
+          </p:nvPr>
+        </p:nvSpPr>
+        <p:spPr/>
+        <p:txBody>
+          <a:bodyPr/>
+          <a:lstStyle/>
+          <a:p>
+            <a:r>
+              <a:rPr lang="en-US" dirty="0"/>
+              <a:t>Enhanced Servo</a:t>
+            </a:r>
+          </a:p>
+        </p:txBody>
+      </p:sp>
+      <p:sp>
+        <p:nvSpPr>
+          <p:cNvPr id="3" name="Content Placeholder 2">
+            <a:extLst>
+              <a:ext uri="{FF2B5EF4-FFF2-40B4-BE49-F238E27FC236}">
+                <a16:creationId xmlns:a16="http://schemas.microsoft.com/office/drawing/2014/main" id="{600D47D3-09E7-4EFE-99BC-3A72AFB5BF74}"/>
+              </a:ext>
+            </a:extLst>
+          </p:cNvPr>
+          <p:cNvSpPr>
+            <a:spLocks noGrp="1"/>
+          </p:cNvSpPr>
+          <p:nvPr>
+            <p:ph idx="1"/>
+          </p:nvPr>
+        </p:nvSpPr>
+        <p:spPr/>
+        <p:txBody>
+          <a:bodyPr>
+            <a:normAutofit lnSpcReduction="10000"/>
+          </a:bodyPr>
+          <a:lstStyle/>
+          <a:p>
+            <a:r>
+              <a:rPr lang="en-US" dirty="0"/>
+              <a:t>Create an instance of an enhanced servo object.</a:t>
+            </a:r>
+          </a:p>
+          <a:p>
+            <a:r>
+              <a:rPr lang="en-US" dirty="0" err="1"/>
+              <a:t>TrcEnhancedServo</a:t>
+            </a:r>
+            <a:r>
+              <a:rPr lang="en-US" dirty="0"/>
+              <a:t> – Constructor needs instance name, one or two physical servos, optional lower/upper limit switches.</a:t>
+            </a:r>
+          </a:p>
+          <a:p>
+            <a:r>
+              <a:rPr lang="en-US" dirty="0"/>
+              <a:t>Enhanced servo object properties:</a:t>
+            </a:r>
+          </a:p>
+          <a:p>
+            <a:pPr lvl="1"/>
+            <a:r>
+              <a:rPr lang="en-US" dirty="0"/>
+              <a:t>Dual servo support.</a:t>
+            </a:r>
+          </a:p>
+          <a:p>
+            <a:pPr lvl="1"/>
+            <a:r>
+              <a:rPr lang="en-US" dirty="0"/>
+              <a:t>Regular servo vs continuous servo.</a:t>
+            </a:r>
+          </a:p>
+          <a:p>
+            <a:pPr lvl="1"/>
+            <a:r>
+              <a:rPr lang="en-US" dirty="0"/>
+              <a:t>Limit switches support.</a:t>
+            </a:r>
+          </a:p>
+          <a:p>
+            <a:pPr lvl="1"/>
+            <a:r>
+              <a:rPr lang="en-US" dirty="0"/>
+              <a:t>Encoder support.</a:t>
+            </a:r>
+          </a:p>
+          <a:p>
+            <a:pPr lvl="1"/>
+            <a:r>
+              <a:rPr lang="en-US" dirty="0"/>
+              <a:t>Range calibration.</a:t>
+            </a:r>
+          </a:p>
+          <a:p>
+            <a:pPr lvl="1"/>
+            <a:r>
+              <a:rPr lang="en-US" dirty="0"/>
+              <a:t>Speed control and step mode.</a:t>
+            </a:r>
+          </a:p>
+        </p:txBody>
+      </p:sp>
+    </p:spTree>
+    <p:extLst>
+      <p:ext uri="{BB962C8B-B14F-4D97-AF65-F5344CB8AC3E}">
+        <p14:creationId xmlns:p14="http://schemas.microsoft.com/office/powerpoint/2010/main" val="3569371887"/>
+      </p:ext>
+    </p:extLst>
+  </p:cSld>
+  <p:clrMapOvr>
+    <a:masterClrMapping/>
+  </p:clrMapOvr>
+</p:sld>
+</file>
+
+<file path=ppt/slides/slide7.xml><?xml version="1.0" encoding="utf-8"?>
+<p:sld xmlns:a="http://schemas.openxmlformats.org/drawingml/2006/main" xmlns:r="http://schemas.openxmlformats.org/officeDocument/2006/relationships" xmlns:p="http://schemas.openxmlformats.org/presentationml/2006/main">
+  <p:cSld>
+    <p:spTree>
+      <p:nvGrpSpPr>
+        <p:cNvPr id="1" name=""/>
+        <p:cNvGrpSpPr/>
+        <p:nvPr/>
+      </p:nvGrpSpPr>
+      <p:grpSpPr>
+        <a:xfrm>
+          <a:off x="0" y="0"/>
+          <a:ext cx="0" cy="0"/>
+          <a:chOff x="0" y="0"/>
+          <a:chExt cx="0" cy="0"/>
+        </a:xfrm>
+      </p:grpSpPr>
+      <p:sp>
+        <p:nvSpPr>
+          <p:cNvPr id="2" name="Title 1">
+            <a:extLst>
+              <a:ext uri="{FF2B5EF4-FFF2-40B4-BE49-F238E27FC236}">
+                <a16:creationId xmlns:a16="http://schemas.microsoft.com/office/drawing/2014/main" id="{540E304D-D990-4EE0-97F8-1ED1750741AF}"/>
+              </a:ext>
+            </a:extLst>
+          </p:cNvPr>
+          <p:cNvSpPr>
+            <a:spLocks noGrp="1"/>
+          </p:cNvSpPr>
+          <p:nvPr>
+            <p:ph type="title"/>
+          </p:nvPr>
+        </p:nvSpPr>
+        <p:spPr>
+          <a:xfrm>
+            <a:off x="1154954" y="838200"/>
+            <a:ext cx="9616510" cy="955800"/>
+          </a:xfrm>
+        </p:spPr>
+        <p:txBody>
+          <a:bodyPr/>
+          <a:lstStyle/>
+          <a:p>
+            <a:r>
+              <a:rPr lang="en-US" dirty="0"/>
+              <a:t>Exercise: 2-servo Grabber</a:t>
+            </a:r>
+          </a:p>
+        </p:txBody>
+      </p:sp>
+      <p:sp>
+        <p:nvSpPr>
+          <p:cNvPr id="3" name="Content Placeholder 2">
+            <a:extLst>
+              <a:ext uri="{FF2B5EF4-FFF2-40B4-BE49-F238E27FC236}">
+                <a16:creationId xmlns:a16="http://schemas.microsoft.com/office/drawing/2014/main" id="{62BB9F6E-124C-414A-B348-DB9D4F40C5F2}"/>
+              </a:ext>
+            </a:extLst>
+          </p:cNvPr>
+          <p:cNvSpPr>
+            <a:spLocks noGrp="1"/>
+          </p:cNvSpPr>
+          <p:nvPr>
+            <p:ph idx="1"/>
+          </p:nvPr>
+        </p:nvSpPr>
+        <p:spPr/>
+        <p:txBody>
+          <a:bodyPr>
+            <a:normAutofit lnSpcReduction="10000"/>
+          </a:bodyPr>
+          <a:lstStyle/>
+          <a:p>
+            <a:r>
+              <a:rPr lang="en-US" dirty="0"/>
+              <a:t>Control a 2-servo grabber using buttons on a game controller.</a:t>
+            </a:r>
+          </a:p>
+          <a:p>
+            <a:pPr lvl="1"/>
+            <a:r>
+              <a:rPr lang="en-US" dirty="0"/>
+              <a:t>Create and configure a game controller.</a:t>
+            </a:r>
+          </a:p>
+          <a:p>
+            <a:pPr lvl="1"/>
+            <a:r>
+              <a:rPr lang="en-US" dirty="0"/>
+              <a:t>Create and configure two servos.</a:t>
+            </a:r>
+          </a:p>
+          <a:p>
+            <a:pPr lvl="1"/>
+            <a:r>
+              <a:rPr lang="en-US" dirty="0"/>
+              <a:t>Create and configure an Enhanced Servo with the 2 servos.</a:t>
+            </a:r>
+          </a:p>
+          <a:p>
+            <a:pPr lvl="1"/>
+            <a:r>
+              <a:rPr lang="en-US" dirty="0"/>
+              <a:t>Create a button event handler and hook it up to the game controller object.</a:t>
+            </a:r>
+          </a:p>
+          <a:p>
+            <a:pPr lvl="1"/>
+            <a:r>
+              <a:rPr lang="en-US" dirty="0"/>
+              <a:t>Add code to the button event handler to set servo positions responding to button events.</a:t>
+            </a:r>
+          </a:p>
+          <a:p>
+            <a:pPr lvl="1"/>
+            <a:r>
+              <a:rPr lang="en-US" dirty="0"/>
+              <a:t>Add code to display servo status.</a:t>
+            </a:r>
+          </a:p>
+          <a:p>
+            <a:pPr lvl="1"/>
+            <a:r>
+              <a:rPr lang="en-US" dirty="0"/>
+              <a:t>Extra credit: use an analog control on the game controller to control the position of the grabber opening or closing.</a:t>
+            </a:r>
+          </a:p>
+        </p:txBody>
+      </p:sp>
+    </p:spTree>
+    <p:extLst>
+      <p:ext uri="{BB962C8B-B14F-4D97-AF65-F5344CB8AC3E}">
+        <p14:creationId xmlns:p14="http://schemas.microsoft.com/office/powerpoint/2010/main" val="1099282218"/>
+      </p:ext>
+    </p:extLst>
+  </p:cSld>
+  <p:clrMapOvr>
+    <a:masterClrMapping/>
+  </p:clrMapOvr>
+</p:sld>
+</file>
+
+<file path=ppt/slides/slide8.xml><?xml version="1.0" encoding="utf-8"?>
+<p:sld xmlns:a="http://schemas.openxmlformats.org/drawingml/2006/main" xmlns:r="http://schemas.openxmlformats.org/officeDocument/2006/relationships" xmlns:p="http://schemas.openxmlformats.org/presentationml/2006/main">
+  <p:cSld>
+    <p:spTree>
+      <p:nvGrpSpPr>
+        <p:cNvPr id="1" name=""/>
+        <p:cNvGrpSpPr/>
+        <p:nvPr/>
+      </p:nvGrpSpPr>
+      <p:grpSpPr>
+        <a:xfrm>
+          <a:off x="0" y="0"/>
+          <a:ext cx="0" cy="0"/>
+          <a:chOff x="0" y="0"/>
+          <a:chExt cx="0" cy="0"/>
+        </a:xfrm>
+      </p:grpSpPr>
+      <p:sp>
+        <p:nvSpPr>
+          <p:cNvPr id="2" name="Title 1">
+            <a:extLst>
+              <a:ext uri="{FF2B5EF4-FFF2-40B4-BE49-F238E27FC236}">
                 <a16:creationId xmlns:a16="http://schemas.microsoft.com/office/drawing/2014/main" id="{33CC8552-436C-4815-9CBA-B4118F070C77}"/>
               </a:ext>
             </a:extLst>
@@ -14412,7 +14737,7 @@
 </p:sld>
 </file>
 
-<file path=ppt/slides/slide7.xml><?xml version="1.0" encoding="utf-8"?>
+<file path=ppt/slides/slide9.xml><?xml version="1.0" encoding="utf-8"?>
 <p:sld xmlns:a="http://schemas.openxmlformats.org/drawingml/2006/main" xmlns:r="http://schemas.openxmlformats.org/officeDocument/2006/relationships" xmlns:p="http://schemas.openxmlformats.org/presentationml/2006/main">
   <p:cSld>
     <p:spTree>
@@ -14523,347 +14848,19 @@
               <a:t>Add code to display pneumatic status.</a:t>
             </a:r>
           </a:p>
+          <a:p>
+            <a:pPr lvl="1"/>
+            <a:r>
+              <a:rPr lang="en-US" dirty="0"/>
+              <a:t>Extra credit: make the button to do a timed actuation of the pneumatic cylinder.</a:t>
+            </a:r>
+          </a:p>
         </p:txBody>
       </p:sp>
     </p:spTree>
     <p:extLst>
       <p:ext uri="{BB962C8B-B14F-4D97-AF65-F5344CB8AC3E}">
         <p14:creationId xmlns:p14="http://schemas.microsoft.com/office/powerpoint/2010/main" val="3004109280"/>
-      </p:ext>
-    </p:extLst>
-  </p:cSld>
-  <p:clrMapOvr>
-    <a:masterClrMapping/>
-  </p:clrMapOvr>
-</p:sld>
-</file>
-
-<file path=ppt/slides/slide8.xml><?xml version="1.0" encoding="utf-8"?>
-<p:sld xmlns:a="http://schemas.openxmlformats.org/drawingml/2006/main" xmlns:r="http://schemas.openxmlformats.org/officeDocument/2006/relationships" xmlns:p="http://schemas.openxmlformats.org/presentationml/2006/main">
-  <p:cSld>
-    <p:spTree>
-      <p:nvGrpSpPr>
-        <p:cNvPr id="1" name=""/>
-        <p:cNvGrpSpPr/>
-        <p:nvPr/>
-      </p:nvGrpSpPr>
-      <p:grpSpPr>
-        <a:xfrm>
-          <a:off x="0" y="0"/>
-          <a:ext cx="0" cy="0"/>
-          <a:chOff x="0" y="0"/>
-          <a:chExt cx="0" cy="0"/>
-        </a:xfrm>
-      </p:grpSpPr>
-      <p:sp>
-        <p:nvSpPr>
-          <p:cNvPr id="2" name="Title 1">
-            <a:extLst>
-              <a:ext uri="{FF2B5EF4-FFF2-40B4-BE49-F238E27FC236}">
-                <a16:creationId xmlns:a16="http://schemas.microsoft.com/office/drawing/2014/main" id="{341760D1-727E-43FB-8E36-022B7CAE517B}"/>
-              </a:ext>
-            </a:extLst>
-          </p:cNvPr>
-          <p:cNvSpPr>
-            <a:spLocks noGrp="1"/>
-          </p:cNvSpPr>
-          <p:nvPr>
-            <p:ph type="title"/>
-          </p:nvPr>
-        </p:nvSpPr>
-        <p:spPr/>
-        <p:txBody>
-          <a:bodyPr/>
-          <a:lstStyle/>
-          <a:p>
-            <a:r>
-              <a:rPr lang="en-US" dirty="0"/>
-              <a:t>PID Controlled Actuator</a:t>
-            </a:r>
-          </a:p>
-        </p:txBody>
-      </p:sp>
-      <p:sp>
-        <p:nvSpPr>
-          <p:cNvPr id="3" name="Content Placeholder 2">
-            <a:extLst>
-              <a:ext uri="{FF2B5EF4-FFF2-40B4-BE49-F238E27FC236}">
-                <a16:creationId xmlns:a16="http://schemas.microsoft.com/office/drawing/2014/main" id="{DEFB8CBB-1CA6-4401-AD52-3B6ED6DD39C9}"/>
-              </a:ext>
-            </a:extLst>
-          </p:cNvPr>
-          <p:cNvSpPr>
-            <a:spLocks noGrp="1"/>
-          </p:cNvSpPr>
-          <p:nvPr>
-            <p:ph idx="1"/>
-          </p:nvPr>
-        </p:nvSpPr>
-        <p:spPr>
-          <a:xfrm>
-            <a:off x="1154954" y="2603500"/>
-            <a:ext cx="8825659" cy="3931524"/>
-          </a:xfrm>
-        </p:spPr>
-        <p:txBody>
-          <a:bodyPr>
-            <a:normAutofit fontScale="92500" lnSpcReduction="20000"/>
-          </a:bodyPr>
-          <a:lstStyle/>
-          <a:p>
-            <a:r>
-              <a:rPr lang="en-US" dirty="0"/>
-              <a:t>Create an instance of a PID Actuator.</a:t>
-            </a:r>
-          </a:p>
-          <a:p>
-            <a:r>
-              <a:rPr lang="en-US" dirty="0" err="1"/>
-              <a:t>TrcPidActuator</a:t>
-            </a:r>
-            <a:r>
-              <a:rPr lang="en-US" dirty="0"/>
-              <a:t> – Constructor needs instance name, 1 or 2 physical motors, a lower limit switch, a PID controller, movement range and other optional parameters.</a:t>
-            </a:r>
-          </a:p>
-          <a:p>
-            <a:r>
-              <a:rPr lang="en-US" dirty="0"/>
-              <a:t> PID Actuator object properties:</a:t>
-            </a:r>
-          </a:p>
-          <a:p>
-            <a:pPr lvl="1"/>
-            <a:r>
-              <a:rPr lang="en-US" dirty="0" err="1"/>
-              <a:t>setPositionScale</a:t>
-            </a:r>
-            <a:r>
-              <a:rPr lang="en-US" dirty="0"/>
-              <a:t> – make actuator works with real world units.</a:t>
-            </a:r>
-          </a:p>
-          <a:p>
-            <a:pPr lvl="1"/>
-            <a:r>
-              <a:rPr lang="en-US" dirty="0" err="1"/>
-              <a:t>getPosition</a:t>
-            </a:r>
-            <a:r>
-              <a:rPr lang="en-US" dirty="0"/>
-              <a:t> – inquire the actuator position.</a:t>
-            </a:r>
-          </a:p>
-          <a:p>
-            <a:pPr lvl="1"/>
-            <a:r>
-              <a:rPr lang="en-US" dirty="0" err="1"/>
-              <a:t>setTarget</a:t>
-            </a:r>
-            <a:r>
-              <a:rPr lang="en-US" dirty="0"/>
-              <a:t> – set and hold the actuator position using PID control.</a:t>
-            </a:r>
-          </a:p>
-          <a:p>
-            <a:pPr lvl="1"/>
-            <a:r>
-              <a:rPr lang="en-US" dirty="0" err="1"/>
-              <a:t>setPower</a:t>
-            </a:r>
-            <a:r>
-              <a:rPr lang="en-US" dirty="0"/>
-              <a:t> – move the actuator at the specified power and optionally hold position.</a:t>
-            </a:r>
-          </a:p>
-          <a:p>
-            <a:pPr lvl="1"/>
-            <a:r>
-              <a:rPr lang="en-US" dirty="0" err="1"/>
-              <a:t>setPowerWithinPosRange</a:t>
-            </a:r>
-            <a:r>
-              <a:rPr lang="en-US" dirty="0"/>
-              <a:t> – move actuator at specified power but applying PID control when it is close to lower or upper position limits.</a:t>
-            </a:r>
-          </a:p>
-          <a:p>
-            <a:pPr lvl="1"/>
-            <a:r>
-              <a:rPr lang="en-US" dirty="0" err="1"/>
-              <a:t>setManualOverride</a:t>
-            </a:r>
-            <a:r>
-              <a:rPr lang="en-US" dirty="0"/>
-              <a:t> – overriding PID control.</a:t>
-            </a:r>
-          </a:p>
-          <a:p>
-            <a:pPr lvl="1"/>
-            <a:r>
-              <a:rPr lang="en-US" dirty="0" err="1"/>
-              <a:t>zeroCalibrate</a:t>
-            </a:r>
-            <a:r>
-              <a:rPr lang="en-US" dirty="0"/>
-              <a:t> – perform Zero Calibration.</a:t>
-            </a:r>
-          </a:p>
-        </p:txBody>
-      </p:sp>
-    </p:spTree>
-    <p:extLst>
-      <p:ext uri="{BB962C8B-B14F-4D97-AF65-F5344CB8AC3E}">
-        <p14:creationId xmlns:p14="http://schemas.microsoft.com/office/powerpoint/2010/main" val="4271098725"/>
-      </p:ext>
-    </p:extLst>
-  </p:cSld>
-  <p:clrMapOvr>
-    <a:masterClrMapping/>
-  </p:clrMapOvr>
-</p:sld>
-</file>
-
-<file path=ppt/slides/slide9.xml><?xml version="1.0" encoding="utf-8"?>
-<p:sld xmlns:a="http://schemas.openxmlformats.org/drawingml/2006/main" xmlns:r="http://schemas.openxmlformats.org/officeDocument/2006/relationships" xmlns:p="http://schemas.openxmlformats.org/presentationml/2006/main">
-  <p:cSld>
-    <p:spTree>
-      <p:nvGrpSpPr>
-        <p:cNvPr id="1" name=""/>
-        <p:cNvGrpSpPr/>
-        <p:nvPr/>
-      </p:nvGrpSpPr>
-      <p:grpSpPr>
-        <a:xfrm>
-          <a:off x="0" y="0"/>
-          <a:ext cx="0" cy="0"/>
-          <a:chOff x="0" y="0"/>
-          <a:chExt cx="0" cy="0"/>
-        </a:xfrm>
-      </p:grpSpPr>
-      <p:sp>
-        <p:nvSpPr>
-          <p:cNvPr id="2" name="Title 1">
-            <a:extLst>
-              <a:ext uri="{FF2B5EF4-FFF2-40B4-BE49-F238E27FC236}">
-                <a16:creationId xmlns:a16="http://schemas.microsoft.com/office/drawing/2014/main" id="{99B5B5D6-D0EA-4BEA-A6F6-14EB3570F055}"/>
-              </a:ext>
-            </a:extLst>
-          </p:cNvPr>
-          <p:cNvSpPr>
-            <a:spLocks noGrp="1"/>
-          </p:cNvSpPr>
-          <p:nvPr>
-            <p:ph type="title"/>
-          </p:nvPr>
-        </p:nvSpPr>
-        <p:spPr>
-          <a:xfrm>
-            <a:off x="998290" y="973668"/>
-            <a:ext cx="9613784" cy="706964"/>
-          </a:xfrm>
-        </p:spPr>
-        <p:txBody>
-          <a:bodyPr/>
-          <a:lstStyle/>
-          <a:p>
-            <a:r>
-              <a:rPr lang="en-US" dirty="0"/>
-              <a:t>Exercise: Elevator</a:t>
-            </a:r>
-          </a:p>
-        </p:txBody>
-      </p:sp>
-      <p:sp>
-        <p:nvSpPr>
-          <p:cNvPr id="3" name="Content Placeholder 2">
-            <a:extLst>
-              <a:ext uri="{FF2B5EF4-FFF2-40B4-BE49-F238E27FC236}">
-                <a16:creationId xmlns:a16="http://schemas.microsoft.com/office/drawing/2014/main" id="{7BAD9F0D-1B17-4405-A58A-FE82E79DCFEE}"/>
-              </a:ext>
-            </a:extLst>
-          </p:cNvPr>
-          <p:cNvSpPr>
-            <a:spLocks noGrp="1"/>
-          </p:cNvSpPr>
-          <p:nvPr>
-            <p:ph idx="1"/>
-          </p:nvPr>
-        </p:nvSpPr>
-        <p:spPr/>
-        <p:txBody>
-          <a:bodyPr/>
-          <a:lstStyle/>
-          <a:p>
-            <a:r>
-              <a:rPr lang="en-US" dirty="0"/>
-              <a:t>Control an elevator using an analog joystick.</a:t>
-            </a:r>
-          </a:p>
-          <a:p>
-            <a:pPr lvl="1"/>
-            <a:r>
-              <a:rPr lang="en-US" dirty="0"/>
-              <a:t>Create and configure a game controller.</a:t>
-            </a:r>
-          </a:p>
-          <a:p>
-            <a:pPr lvl="1"/>
-            <a:r>
-              <a:rPr lang="en-US" dirty="0"/>
-              <a:t>Create and configure a PID control actuator object.</a:t>
-            </a:r>
-          </a:p>
-          <a:p>
-            <a:pPr lvl="1"/>
-            <a:r>
-              <a:rPr lang="en-US" dirty="0"/>
-              <a:t>Create a button event handler and hook it up to the game controller object.</a:t>
-            </a:r>
-          </a:p>
-          <a:p>
-            <a:pPr lvl="1"/>
-            <a:r>
-              <a:rPr lang="en-US" dirty="0"/>
-              <a:t>Add </a:t>
-            </a:r>
-            <a:r>
-              <a:rPr lang="en-US" dirty="0" err="1"/>
-              <a:t>TeleOp</a:t>
-            </a:r>
-            <a:r>
-              <a:rPr lang="en-US" dirty="0"/>
-              <a:t> code for zero calibration and manual override.</a:t>
-            </a:r>
-          </a:p>
-          <a:p>
-            <a:pPr lvl="1"/>
-            <a:r>
-              <a:rPr lang="en-US" dirty="0"/>
-              <a:t>Add </a:t>
-            </a:r>
-            <a:r>
-              <a:rPr lang="en-US" dirty="0" err="1"/>
-              <a:t>TeleOp</a:t>
-            </a:r>
-            <a:r>
-              <a:rPr lang="en-US" dirty="0"/>
-              <a:t> code to run the elevator up and down.</a:t>
-            </a:r>
-          </a:p>
-          <a:p>
-            <a:pPr lvl="1"/>
-            <a:r>
-              <a:rPr lang="en-US" dirty="0"/>
-              <a:t>Add code to display elevator status.</a:t>
-            </a:r>
-          </a:p>
-        </p:txBody>
-      </p:sp>
-    </p:spTree>
-    <p:extLst>
-      <p:ext uri="{BB962C8B-B14F-4D97-AF65-F5344CB8AC3E}">
-        <p14:creationId xmlns:p14="http://schemas.microsoft.com/office/powerpoint/2010/main" val="3624030017"/>
       </p:ext>
     </p:extLst>
   </p:cSld>

--- a/Lesson4/AdvancedRoboticsLesson4.pptx
+++ b/Lesson4/AdvancedRoboticsLesson4.pptx
@@ -205,7 +205,7 @@
           <a:p>
             <a:fld id="{88DFE0DC-517A-40C1-B3B1-8C641051689B}" type="datetimeFigureOut">
               <a:rPr lang="en-US" smtClean="0"/>
-              <a:t>11/23/2020</a:t>
+              <a:t>11/30/2020</a:t>
             </a:fld>
             <a:endParaRPr lang="en-US"/>
           </a:p>
@@ -892,7 +892,7 @@
             <a:fld id="{5923F103-BC34-4FE4-A40E-EDDEECFDA5D0}" type="datetimeFigureOut">
               <a:rPr lang="en-US" dirty="0"/>
               <a:pPr/>
-              <a:t>11/23/2020</a:t>
+              <a:t>11/30/2020</a:t>
             </a:fld>
             <a:endParaRPr lang="en-US" dirty="0"/>
           </a:p>
@@ -1976,7 +1976,7 @@
           <a:p>
             <a:fld id="{923A1CC3-2375-41D4-9E03-427CAF2A4C1A}" type="datetimeFigureOut">
               <a:rPr lang="en-US" dirty="0"/>
-              <a:t>11/23/2020</a:t>
+              <a:t>11/30/2020</a:t>
             </a:fld>
             <a:endParaRPr lang="en-US" dirty="0"/>
           </a:p>
@@ -2952,7 +2952,7 @@
           <a:p>
             <a:fld id="{AFF16868-8199-4C2C-A5B1-63AEE139F88E}" type="datetimeFigureOut">
               <a:rPr lang="en-US" dirty="0"/>
-              <a:t>11/23/2020</a:t>
+              <a:t>11/30/2020</a:t>
             </a:fld>
             <a:endParaRPr lang="en-US" dirty="0"/>
           </a:p>
@@ -4082,7 +4082,7 @@
           <a:p>
             <a:fld id="{AAD9FF7F-6988-44CC-821B-644E70CD2F73}" type="datetimeFigureOut">
               <a:rPr lang="en-US" dirty="0"/>
-              <a:t>11/23/2020</a:t>
+              <a:t>11/30/2020</a:t>
             </a:fld>
             <a:endParaRPr lang="en-US" dirty="0"/>
           </a:p>
@@ -5111,7 +5111,7 @@
           <a:p>
             <a:fld id="{5C12C299-16B2-4475-990D-751901EACC14}" type="datetimeFigureOut">
               <a:rPr lang="en-US" dirty="0"/>
-              <a:t>11/23/2020</a:t>
+              <a:t>11/30/2020</a:t>
             </a:fld>
             <a:endParaRPr lang="en-US" dirty="0"/>
           </a:p>
@@ -5767,7 +5767,7 @@
           <a:p>
             <a:fld id="{9FE86839-B9D8-4651-8783-F325ECE74E65}" type="datetimeFigureOut">
               <a:rPr lang="en-US" dirty="0"/>
-              <a:t>11/23/2020</a:t>
+              <a:t>11/30/2020</a:t>
             </a:fld>
             <a:endParaRPr lang="en-US" dirty="0"/>
           </a:p>
@@ -6624,7 +6624,7 @@
           <a:p>
             <a:fld id="{FD484F64-32F6-45C5-931F-ADC1662401D0}" type="datetimeFigureOut">
               <a:rPr lang="en-US" dirty="0"/>
-              <a:t>11/23/2020</a:t>
+              <a:t>11/30/2020</a:t>
             </a:fld>
             <a:endParaRPr lang="en-US" dirty="0"/>
           </a:p>
@@ -6810,7 +6810,7 @@
           <a:p>
             <a:fld id="{53086D93-FCAC-47E0-A2EE-787E62CA814C}" type="datetimeFigureOut">
               <a:rPr lang="en-US" dirty="0"/>
-              <a:t>11/23/2020</a:t>
+              <a:t>11/30/2020</a:t>
             </a:fld>
             <a:endParaRPr lang="en-US" dirty="0"/>
           </a:p>
@@ -7778,7 +7778,7 @@
           <a:p>
             <a:fld id="{CDA879A6-0FD0-4734-A311-86BFCA472E6E}" type="datetimeFigureOut">
               <a:rPr lang="en-US" dirty="0"/>
-              <a:t>11/23/2020</a:t>
+              <a:t>11/30/2020</a:t>
             </a:fld>
             <a:endParaRPr lang="en-US" dirty="0"/>
           </a:p>
@@ -7985,7 +7985,7 @@
           <a:p>
             <a:fld id="{19C9CA7B-DFD4-44B5-8C60-D14B8CD1FB59}" type="datetimeFigureOut">
               <a:rPr lang="en-US" dirty="0"/>
-              <a:t>11/23/2020</a:t>
+              <a:t>11/30/2020</a:t>
             </a:fld>
             <a:endParaRPr lang="en-US" dirty="0"/>
           </a:p>
@@ -9015,7 +9015,7 @@
           <a:p>
             <a:fld id="{F34E6425-0181-43F2-84FC-787E803FD2F8}" type="datetimeFigureOut">
               <a:rPr lang="en-US" dirty="0"/>
-              <a:t>11/23/2020</a:t>
+              <a:t>11/30/2020</a:t>
             </a:fld>
             <a:endParaRPr lang="en-US" dirty="0"/>
           </a:p>
@@ -9283,7 +9283,7 @@
           <a:p>
             <a:fld id="{3BDB8791-F1B0-41E7-B7FD-A781E65C4266}" type="datetimeFigureOut">
               <a:rPr lang="en-US" dirty="0"/>
-              <a:t>11/23/2020</a:t>
+              <a:t>11/30/2020</a:t>
             </a:fld>
             <a:endParaRPr lang="en-US" dirty="0"/>
           </a:p>
@@ -9689,7 +9689,7 @@
           <a:p>
             <a:fld id="{5FDD63B2-E120-4ED8-B27B-C685F510A5FE}" type="datetimeFigureOut">
               <a:rPr lang="en-US" dirty="0"/>
-              <a:t>11/23/2020</a:t>
+              <a:t>11/30/2020</a:t>
             </a:fld>
             <a:endParaRPr lang="en-US" dirty="0"/>
           </a:p>
@@ -9812,7 +9812,7 @@
           <a:p>
             <a:fld id="{7AA18ACC-A947-437B-A130-35BD54FDF1E9}" type="datetimeFigureOut">
               <a:rPr lang="en-US" dirty="0"/>
-              <a:t>11/23/2020</a:t>
+              <a:t>11/30/2020</a:t>
             </a:fld>
             <a:endParaRPr lang="en-US" dirty="0"/>
           </a:p>
@@ -9903,7 +9903,7 @@
           <a:p>
             <a:fld id="{7C8D7E02-BCB8-4D50-A234-369438C08659}" type="datetimeFigureOut">
               <a:rPr lang="en-US" dirty="0"/>
-              <a:t>11/23/2020</a:t>
+              <a:t>11/30/2020</a:t>
             </a:fld>
             <a:endParaRPr lang="en-US" dirty="0"/>
           </a:p>
@@ -10980,7 +10980,7 @@
           <a:p>
             <a:fld id="{76E86A4C-8E40-4F87-A4F0-01A0687C5742}" type="datetimeFigureOut">
               <a:rPr lang="en-US" dirty="0"/>
-              <a:t>11/23/2020</a:t>
+              <a:t>11/30/2020</a:t>
             </a:fld>
             <a:endParaRPr lang="en-US" dirty="0"/>
           </a:p>
@@ -12084,7 +12084,7 @@
           <a:p>
             <a:fld id="{35E72C73-2D91-4E12-BA25-F0AA0C03599B}" type="datetimeFigureOut">
               <a:rPr lang="en-US" dirty="0"/>
-              <a:t>11/23/2020</a:t>
+              <a:t>11/30/2020</a:t>
             </a:fld>
             <a:endParaRPr lang="en-US" dirty="0"/>
           </a:p>
@@ -13077,7 +13077,7 @@
           <a:p>
             <a:fld id="{2BE451C3-0FF4-47C4-B829-773ADF60F88C}" type="datetimeFigureOut">
               <a:rPr lang="en-US" dirty="0"/>
-              <a:t>11/23/2020</a:t>
+              <a:t>11/30/2020</a:t>
             </a:fld>
             <a:endParaRPr lang="en-US" dirty="0"/>
           </a:p>
@@ -13964,7 +13964,7 @@
             </a:r>
             <a:r>
               <a:rPr lang="en-US" dirty="0"/>
-              <a:t>: Constructor needs instance name and a PWM channel number.</a:t>
+              <a:t> Constructor: instance name and a PWM channel number.</a:t>
             </a:r>
           </a:p>
           <a:p>
@@ -14379,7 +14379,7 @@
             </a:r>
             <a:r>
               <a:rPr lang="en-US" dirty="0"/>
-              <a:t> – Constructor needs instance name, one or two physical servos, optional lower/upper limit switches.</a:t>
+              <a:t> Constructor: instance name, one or two physical servos, optional lower/upper limit switches.</a:t>
             </a:r>
           </a:p>
           <a:p>
@@ -14667,7 +14667,7 @@
             </a:r>
             <a:r>
               <a:rPr lang="en-US" dirty="0"/>
-              <a:t> – Constructor needs PCM number and one or more channel numbers.</a:t>
+              <a:t> Constructor: instance name, PCM number and one or more channel numbers.</a:t>
             </a:r>
           </a:p>
           <a:p>
@@ -14687,14 +14687,14 @@
             <a:pPr lvl="1"/>
             <a:r>
               <a:rPr lang="en-US" dirty="0"/>
-              <a:t>Set pneumatic channels ON only for the specified period.</a:t>
+              <a:t>Set pneumatic channels ON only for.</a:t>
             </a:r>
           </a:p>
           <a:p>
             <a:pPr lvl="1"/>
             <a:r>
               <a:rPr lang="en-US" dirty="0"/>
-              <a:t>Set pneumatic channel pattern 1 for set period 1 and then pattern 2 for set period 2 and optionally repeat.</a:t>
+              <a:t>Set pneumatic channel pattern 1 for set period 1the specified period and then pattern 2 for set period 2 and optionally repeat.</a:t>
             </a:r>
           </a:p>
           <a:p>

--- a/Lesson4/AdvancedRoboticsLesson4.pptx
+++ b/Lesson4/AdvancedRoboticsLesson4.pptx
@@ -205,7 +205,7 @@
           <a:p>
             <a:fld id="{88DFE0DC-517A-40C1-B3B1-8C641051689B}" type="datetimeFigureOut">
               <a:rPr lang="en-US" smtClean="0"/>
-              <a:t>11/30/2020</a:t>
+              <a:t>12/1/2020</a:t>
             </a:fld>
             <a:endParaRPr lang="en-US"/>
           </a:p>
@@ -892,7 +892,7 @@
             <a:fld id="{5923F103-BC34-4FE4-A40E-EDDEECFDA5D0}" type="datetimeFigureOut">
               <a:rPr lang="en-US" dirty="0"/>
               <a:pPr/>
-              <a:t>11/30/2020</a:t>
+              <a:t>12/1/2020</a:t>
             </a:fld>
             <a:endParaRPr lang="en-US" dirty="0"/>
           </a:p>
@@ -1976,7 +1976,7 @@
           <a:p>
             <a:fld id="{923A1CC3-2375-41D4-9E03-427CAF2A4C1A}" type="datetimeFigureOut">
               <a:rPr lang="en-US" dirty="0"/>
-              <a:t>11/30/2020</a:t>
+              <a:t>12/1/2020</a:t>
             </a:fld>
             <a:endParaRPr lang="en-US" dirty="0"/>
           </a:p>
@@ -2952,7 +2952,7 @@
           <a:p>
             <a:fld id="{AFF16868-8199-4C2C-A5B1-63AEE139F88E}" type="datetimeFigureOut">
               <a:rPr lang="en-US" dirty="0"/>
-              <a:t>11/30/2020</a:t>
+              <a:t>12/1/2020</a:t>
             </a:fld>
             <a:endParaRPr lang="en-US" dirty="0"/>
           </a:p>
@@ -4082,7 +4082,7 @@
           <a:p>
             <a:fld id="{AAD9FF7F-6988-44CC-821B-644E70CD2F73}" type="datetimeFigureOut">
               <a:rPr lang="en-US" dirty="0"/>
-              <a:t>11/30/2020</a:t>
+              <a:t>12/1/2020</a:t>
             </a:fld>
             <a:endParaRPr lang="en-US" dirty="0"/>
           </a:p>
@@ -5111,7 +5111,7 @@
           <a:p>
             <a:fld id="{5C12C299-16B2-4475-990D-751901EACC14}" type="datetimeFigureOut">
               <a:rPr lang="en-US" dirty="0"/>
-              <a:t>11/30/2020</a:t>
+              <a:t>12/1/2020</a:t>
             </a:fld>
             <a:endParaRPr lang="en-US" dirty="0"/>
           </a:p>
@@ -5767,7 +5767,7 @@
           <a:p>
             <a:fld id="{9FE86839-B9D8-4651-8783-F325ECE74E65}" type="datetimeFigureOut">
               <a:rPr lang="en-US" dirty="0"/>
-              <a:t>11/30/2020</a:t>
+              <a:t>12/1/2020</a:t>
             </a:fld>
             <a:endParaRPr lang="en-US" dirty="0"/>
           </a:p>
@@ -6624,7 +6624,7 @@
           <a:p>
             <a:fld id="{FD484F64-32F6-45C5-931F-ADC1662401D0}" type="datetimeFigureOut">
               <a:rPr lang="en-US" dirty="0"/>
-              <a:t>11/30/2020</a:t>
+              <a:t>12/1/2020</a:t>
             </a:fld>
             <a:endParaRPr lang="en-US" dirty="0"/>
           </a:p>
@@ -6810,7 +6810,7 @@
           <a:p>
             <a:fld id="{53086D93-FCAC-47E0-A2EE-787E62CA814C}" type="datetimeFigureOut">
               <a:rPr lang="en-US" dirty="0"/>
-              <a:t>11/30/2020</a:t>
+              <a:t>12/1/2020</a:t>
             </a:fld>
             <a:endParaRPr lang="en-US" dirty="0"/>
           </a:p>
@@ -7778,7 +7778,7 @@
           <a:p>
             <a:fld id="{CDA879A6-0FD0-4734-A311-86BFCA472E6E}" type="datetimeFigureOut">
               <a:rPr lang="en-US" dirty="0"/>
-              <a:t>11/30/2020</a:t>
+              <a:t>12/1/2020</a:t>
             </a:fld>
             <a:endParaRPr lang="en-US" dirty="0"/>
           </a:p>
@@ -7985,7 +7985,7 @@
           <a:p>
             <a:fld id="{19C9CA7B-DFD4-44B5-8C60-D14B8CD1FB59}" type="datetimeFigureOut">
               <a:rPr lang="en-US" dirty="0"/>
-              <a:t>11/30/2020</a:t>
+              <a:t>12/1/2020</a:t>
             </a:fld>
             <a:endParaRPr lang="en-US" dirty="0"/>
           </a:p>
@@ -9015,7 +9015,7 @@
           <a:p>
             <a:fld id="{F34E6425-0181-43F2-84FC-787E803FD2F8}" type="datetimeFigureOut">
               <a:rPr lang="en-US" dirty="0"/>
-              <a:t>11/30/2020</a:t>
+              <a:t>12/1/2020</a:t>
             </a:fld>
             <a:endParaRPr lang="en-US" dirty="0"/>
           </a:p>
@@ -9283,7 +9283,7 @@
           <a:p>
             <a:fld id="{3BDB8791-F1B0-41E7-B7FD-A781E65C4266}" type="datetimeFigureOut">
               <a:rPr lang="en-US" dirty="0"/>
-              <a:t>11/30/2020</a:t>
+              <a:t>12/1/2020</a:t>
             </a:fld>
             <a:endParaRPr lang="en-US" dirty="0"/>
           </a:p>
@@ -9689,7 +9689,7 @@
           <a:p>
             <a:fld id="{5FDD63B2-E120-4ED8-B27B-C685F510A5FE}" type="datetimeFigureOut">
               <a:rPr lang="en-US" dirty="0"/>
-              <a:t>11/30/2020</a:t>
+              <a:t>12/1/2020</a:t>
             </a:fld>
             <a:endParaRPr lang="en-US" dirty="0"/>
           </a:p>
@@ -9812,7 +9812,7 @@
           <a:p>
             <a:fld id="{7AA18ACC-A947-437B-A130-35BD54FDF1E9}" type="datetimeFigureOut">
               <a:rPr lang="en-US" dirty="0"/>
-              <a:t>11/30/2020</a:t>
+              <a:t>12/1/2020</a:t>
             </a:fld>
             <a:endParaRPr lang="en-US" dirty="0"/>
           </a:p>
@@ -9903,7 +9903,7 @@
           <a:p>
             <a:fld id="{7C8D7E02-BCB8-4D50-A234-369438C08659}" type="datetimeFigureOut">
               <a:rPr lang="en-US" dirty="0"/>
-              <a:t>11/30/2020</a:t>
+              <a:t>12/1/2020</a:t>
             </a:fld>
             <a:endParaRPr lang="en-US" dirty="0"/>
           </a:p>
@@ -10980,7 +10980,7 @@
           <a:p>
             <a:fld id="{76E86A4C-8E40-4F87-A4F0-01A0687C5742}" type="datetimeFigureOut">
               <a:rPr lang="en-US" dirty="0"/>
-              <a:t>11/30/2020</a:t>
+              <a:t>12/1/2020</a:t>
             </a:fld>
             <a:endParaRPr lang="en-US" dirty="0"/>
           </a:p>
@@ -12084,7 +12084,7 @@
           <a:p>
             <a:fld id="{35E72C73-2D91-4E12-BA25-F0AA0C03599B}" type="datetimeFigureOut">
               <a:rPr lang="en-US" dirty="0"/>
-              <a:t>11/30/2020</a:t>
+              <a:t>12/1/2020</a:t>
             </a:fld>
             <a:endParaRPr lang="en-US" dirty="0"/>
           </a:p>
@@ -13077,7 +13077,7 @@
           <a:p>
             <a:fld id="{2BE451C3-0FF4-47C4-B829-773ADF60F88C}" type="datetimeFigureOut">
               <a:rPr lang="en-US" dirty="0"/>
-              <a:t>11/30/2020</a:t>
+              <a:t>12/1/2020</a:t>
             </a:fld>
             <a:endParaRPr lang="en-US" dirty="0"/>
           </a:p>
@@ -13953,12 +13953,6 @@
           </a:p>
           <a:p>
             <a:r>
-              <a:rPr lang="en-US" dirty="0"/>
-              <a:t>Create an instance of a servo object.</a:t>
-            </a:r>
-          </a:p>
-          <a:p>
-            <a:r>
               <a:rPr lang="en-US" dirty="0" err="1"/>
               <a:t>FrcServo</a:t>
             </a:r>
@@ -14363,15 +14357,9 @@
         <p:spPr/>
         <p:txBody>
           <a:bodyPr>
-            <a:normAutofit lnSpcReduction="10000"/>
+            <a:normAutofit/>
           </a:bodyPr>
           <a:lstStyle/>
-          <a:p>
-            <a:r>
-              <a:rPr lang="en-US" dirty="0"/>
-              <a:t>Create an instance of an enhanced servo object.</a:t>
-            </a:r>
-          </a:p>
           <a:p>
             <a:r>
               <a:rPr lang="en-US" dirty="0" err="1"/>
@@ -14651,15 +14639,9 @@
         <p:spPr/>
         <p:txBody>
           <a:bodyPr>
-            <a:normAutofit fontScale="92500" lnSpcReduction="20000"/>
+            <a:normAutofit fontScale="92500" lnSpcReduction="10000"/>
           </a:bodyPr>
           <a:lstStyle/>
-          <a:p>
-            <a:r>
-              <a:rPr lang="en-US" dirty="0"/>
-              <a:t>Create an instance of a pneumatic object.</a:t>
-            </a:r>
-          </a:p>
           <a:p>
             <a:r>
               <a:rPr lang="en-US" dirty="0" err="1"/>

--- a/Lesson4/AdvancedRoboticsLesson4.pptx
+++ b/Lesson4/AdvancedRoboticsLesson4.pptx
@@ -205,7 +205,7 @@
           <a:p>
             <a:fld id="{88DFE0DC-517A-40C1-B3B1-8C641051689B}" type="datetimeFigureOut">
               <a:rPr lang="en-US" smtClean="0"/>
-              <a:t>12/1/2020</a:t>
+              <a:t>12/7/2020</a:t>
             </a:fld>
             <a:endParaRPr lang="en-US"/>
           </a:p>
@@ -892,7 +892,7 @@
             <a:fld id="{5923F103-BC34-4FE4-A40E-EDDEECFDA5D0}" type="datetimeFigureOut">
               <a:rPr lang="en-US" dirty="0"/>
               <a:pPr/>
-              <a:t>12/1/2020</a:t>
+              <a:t>12/7/2020</a:t>
             </a:fld>
             <a:endParaRPr lang="en-US" dirty="0"/>
           </a:p>
@@ -1976,7 +1976,7 @@
           <a:p>
             <a:fld id="{923A1CC3-2375-41D4-9E03-427CAF2A4C1A}" type="datetimeFigureOut">
               <a:rPr lang="en-US" dirty="0"/>
-              <a:t>12/1/2020</a:t>
+              <a:t>12/7/2020</a:t>
             </a:fld>
             <a:endParaRPr lang="en-US" dirty="0"/>
           </a:p>
@@ -2952,7 +2952,7 @@
           <a:p>
             <a:fld id="{AFF16868-8199-4C2C-A5B1-63AEE139F88E}" type="datetimeFigureOut">
               <a:rPr lang="en-US" dirty="0"/>
-              <a:t>12/1/2020</a:t>
+              <a:t>12/7/2020</a:t>
             </a:fld>
             <a:endParaRPr lang="en-US" dirty="0"/>
           </a:p>
@@ -4082,7 +4082,7 @@
           <a:p>
             <a:fld id="{AAD9FF7F-6988-44CC-821B-644E70CD2F73}" type="datetimeFigureOut">
               <a:rPr lang="en-US" dirty="0"/>
-              <a:t>12/1/2020</a:t>
+              <a:t>12/7/2020</a:t>
             </a:fld>
             <a:endParaRPr lang="en-US" dirty="0"/>
           </a:p>
@@ -5111,7 +5111,7 @@
           <a:p>
             <a:fld id="{5C12C299-16B2-4475-990D-751901EACC14}" type="datetimeFigureOut">
               <a:rPr lang="en-US" dirty="0"/>
-              <a:t>12/1/2020</a:t>
+              <a:t>12/7/2020</a:t>
             </a:fld>
             <a:endParaRPr lang="en-US" dirty="0"/>
           </a:p>
@@ -5767,7 +5767,7 @@
           <a:p>
             <a:fld id="{9FE86839-B9D8-4651-8783-F325ECE74E65}" type="datetimeFigureOut">
               <a:rPr lang="en-US" dirty="0"/>
-              <a:t>12/1/2020</a:t>
+              <a:t>12/7/2020</a:t>
             </a:fld>
             <a:endParaRPr lang="en-US" dirty="0"/>
           </a:p>
@@ -6624,7 +6624,7 @@
           <a:p>
             <a:fld id="{FD484F64-32F6-45C5-931F-ADC1662401D0}" type="datetimeFigureOut">
               <a:rPr lang="en-US" dirty="0"/>
-              <a:t>12/1/2020</a:t>
+              <a:t>12/7/2020</a:t>
             </a:fld>
             <a:endParaRPr lang="en-US" dirty="0"/>
           </a:p>
@@ -6810,7 +6810,7 @@
           <a:p>
             <a:fld id="{53086D93-FCAC-47E0-A2EE-787E62CA814C}" type="datetimeFigureOut">
               <a:rPr lang="en-US" dirty="0"/>
-              <a:t>12/1/2020</a:t>
+              <a:t>12/7/2020</a:t>
             </a:fld>
             <a:endParaRPr lang="en-US" dirty="0"/>
           </a:p>
@@ -7778,7 +7778,7 @@
           <a:p>
             <a:fld id="{CDA879A6-0FD0-4734-A311-86BFCA472E6E}" type="datetimeFigureOut">
               <a:rPr lang="en-US" dirty="0"/>
-              <a:t>12/1/2020</a:t>
+              <a:t>12/7/2020</a:t>
             </a:fld>
             <a:endParaRPr lang="en-US" dirty="0"/>
           </a:p>
@@ -7985,7 +7985,7 @@
           <a:p>
             <a:fld id="{19C9CA7B-DFD4-44B5-8C60-D14B8CD1FB59}" type="datetimeFigureOut">
               <a:rPr lang="en-US" dirty="0"/>
-              <a:t>12/1/2020</a:t>
+              <a:t>12/7/2020</a:t>
             </a:fld>
             <a:endParaRPr lang="en-US" dirty="0"/>
           </a:p>
@@ -9015,7 +9015,7 @@
           <a:p>
             <a:fld id="{F34E6425-0181-43F2-84FC-787E803FD2F8}" type="datetimeFigureOut">
               <a:rPr lang="en-US" dirty="0"/>
-              <a:t>12/1/2020</a:t>
+              <a:t>12/7/2020</a:t>
             </a:fld>
             <a:endParaRPr lang="en-US" dirty="0"/>
           </a:p>
@@ -9283,7 +9283,7 @@
           <a:p>
             <a:fld id="{3BDB8791-F1B0-41E7-B7FD-A781E65C4266}" type="datetimeFigureOut">
               <a:rPr lang="en-US" dirty="0"/>
-              <a:t>12/1/2020</a:t>
+              <a:t>12/7/2020</a:t>
             </a:fld>
             <a:endParaRPr lang="en-US" dirty="0"/>
           </a:p>
@@ -9689,7 +9689,7 @@
           <a:p>
             <a:fld id="{5FDD63B2-E120-4ED8-B27B-C685F510A5FE}" type="datetimeFigureOut">
               <a:rPr lang="en-US" dirty="0"/>
-              <a:t>12/1/2020</a:t>
+              <a:t>12/7/2020</a:t>
             </a:fld>
             <a:endParaRPr lang="en-US" dirty="0"/>
           </a:p>
@@ -9812,7 +9812,7 @@
           <a:p>
             <a:fld id="{7AA18ACC-A947-437B-A130-35BD54FDF1E9}" type="datetimeFigureOut">
               <a:rPr lang="en-US" dirty="0"/>
-              <a:t>12/1/2020</a:t>
+              <a:t>12/7/2020</a:t>
             </a:fld>
             <a:endParaRPr lang="en-US" dirty="0"/>
           </a:p>
@@ -9903,7 +9903,7 @@
           <a:p>
             <a:fld id="{7C8D7E02-BCB8-4D50-A234-369438C08659}" type="datetimeFigureOut">
               <a:rPr lang="en-US" dirty="0"/>
-              <a:t>12/1/2020</a:t>
+              <a:t>12/7/2020</a:t>
             </a:fld>
             <a:endParaRPr lang="en-US" dirty="0"/>
           </a:p>
@@ -10980,7 +10980,7 @@
           <a:p>
             <a:fld id="{76E86A4C-8E40-4F87-A4F0-01A0687C5742}" type="datetimeFigureOut">
               <a:rPr lang="en-US" dirty="0"/>
-              <a:t>12/1/2020</a:t>
+              <a:t>12/7/2020</a:t>
             </a:fld>
             <a:endParaRPr lang="en-US" dirty="0"/>
           </a:p>
@@ -12084,7 +12084,7 @@
           <a:p>
             <a:fld id="{35E72C73-2D91-4E12-BA25-F0AA0C03599B}" type="datetimeFigureOut">
               <a:rPr lang="en-US" dirty="0"/>
-              <a:t>12/1/2020</a:t>
+              <a:t>12/7/2020</a:t>
             </a:fld>
             <a:endParaRPr lang="en-US" dirty="0"/>
           </a:p>
@@ -13077,7 +13077,7 @@
           <a:p>
             <a:fld id="{2BE451C3-0FF4-47C4-B829-773ADF60F88C}" type="datetimeFigureOut">
               <a:rPr lang="en-US" dirty="0"/>
-              <a:t>12/1/2020</a:t>
+              <a:t>12/7/2020</a:t>
             </a:fld>
             <a:endParaRPr lang="en-US" dirty="0"/>
           </a:p>
@@ -14654,8 +14654,12 @@
           </a:p>
           <a:p>
             <a:r>
+              <a:rPr lang="en-US"/>
+              <a:t>Pneumatic </a:t>
+            </a:r>
+            <a:r>
               <a:rPr lang="en-US" dirty="0"/>
-              <a:t> Pneumatic object properties:</a:t>
+              <a:t>object properties:</a:t>
             </a:r>
           </a:p>
           <a:p>

--- a/Lesson4/AdvancedRoboticsLesson4.pptx
+++ b/Lesson4/AdvancedRoboticsLesson4.pptx
@@ -205,7 +205,7 @@
           <a:p>
             <a:fld id="{88DFE0DC-517A-40C1-B3B1-8C641051689B}" type="datetimeFigureOut">
               <a:rPr lang="en-US" smtClean="0"/>
-              <a:t>12/7/2020</a:t>
+              <a:t>11/23/2021</a:t>
             </a:fld>
             <a:endParaRPr lang="en-US"/>
           </a:p>
@@ -892,7 +892,7 @@
             <a:fld id="{5923F103-BC34-4FE4-A40E-EDDEECFDA5D0}" type="datetimeFigureOut">
               <a:rPr lang="en-US" dirty="0"/>
               <a:pPr/>
-              <a:t>12/7/2020</a:t>
+              <a:t>11/23/2021</a:t>
             </a:fld>
             <a:endParaRPr lang="en-US" dirty="0"/>
           </a:p>
@@ -1976,7 +1976,7 @@
           <a:p>
             <a:fld id="{923A1CC3-2375-41D4-9E03-427CAF2A4C1A}" type="datetimeFigureOut">
               <a:rPr lang="en-US" dirty="0"/>
-              <a:t>12/7/2020</a:t>
+              <a:t>11/23/2021</a:t>
             </a:fld>
             <a:endParaRPr lang="en-US" dirty="0"/>
           </a:p>
@@ -2952,7 +2952,7 @@
           <a:p>
             <a:fld id="{AFF16868-8199-4C2C-A5B1-63AEE139F88E}" type="datetimeFigureOut">
               <a:rPr lang="en-US" dirty="0"/>
-              <a:t>12/7/2020</a:t>
+              <a:t>11/23/2021</a:t>
             </a:fld>
             <a:endParaRPr lang="en-US" dirty="0"/>
           </a:p>
@@ -4082,7 +4082,7 @@
           <a:p>
             <a:fld id="{AAD9FF7F-6988-44CC-821B-644E70CD2F73}" type="datetimeFigureOut">
               <a:rPr lang="en-US" dirty="0"/>
-              <a:t>12/7/2020</a:t>
+              <a:t>11/23/2021</a:t>
             </a:fld>
             <a:endParaRPr lang="en-US" dirty="0"/>
           </a:p>
@@ -5111,7 +5111,7 @@
           <a:p>
             <a:fld id="{5C12C299-16B2-4475-990D-751901EACC14}" type="datetimeFigureOut">
               <a:rPr lang="en-US" dirty="0"/>
-              <a:t>12/7/2020</a:t>
+              <a:t>11/23/2021</a:t>
             </a:fld>
             <a:endParaRPr lang="en-US" dirty="0"/>
           </a:p>
@@ -5767,7 +5767,7 @@
           <a:p>
             <a:fld id="{9FE86839-B9D8-4651-8783-F325ECE74E65}" type="datetimeFigureOut">
               <a:rPr lang="en-US" dirty="0"/>
-              <a:t>12/7/2020</a:t>
+              <a:t>11/23/2021</a:t>
             </a:fld>
             <a:endParaRPr lang="en-US" dirty="0"/>
           </a:p>
@@ -6624,7 +6624,7 @@
           <a:p>
             <a:fld id="{FD484F64-32F6-45C5-931F-ADC1662401D0}" type="datetimeFigureOut">
               <a:rPr lang="en-US" dirty="0"/>
-              <a:t>12/7/2020</a:t>
+              <a:t>11/23/2021</a:t>
             </a:fld>
             <a:endParaRPr lang="en-US" dirty="0"/>
           </a:p>
@@ -6810,7 +6810,7 @@
           <a:p>
             <a:fld id="{53086D93-FCAC-47E0-A2EE-787E62CA814C}" type="datetimeFigureOut">
               <a:rPr lang="en-US" dirty="0"/>
-              <a:t>12/7/2020</a:t>
+              <a:t>11/23/2021</a:t>
             </a:fld>
             <a:endParaRPr lang="en-US" dirty="0"/>
           </a:p>
@@ -7778,7 +7778,7 @@
           <a:p>
             <a:fld id="{CDA879A6-0FD0-4734-A311-86BFCA472E6E}" type="datetimeFigureOut">
               <a:rPr lang="en-US" dirty="0"/>
-              <a:t>12/7/2020</a:t>
+              <a:t>11/23/2021</a:t>
             </a:fld>
             <a:endParaRPr lang="en-US" dirty="0"/>
           </a:p>
@@ -7985,7 +7985,7 @@
           <a:p>
             <a:fld id="{19C9CA7B-DFD4-44B5-8C60-D14B8CD1FB59}" type="datetimeFigureOut">
               <a:rPr lang="en-US" dirty="0"/>
-              <a:t>12/7/2020</a:t>
+              <a:t>11/23/2021</a:t>
             </a:fld>
             <a:endParaRPr lang="en-US" dirty="0"/>
           </a:p>
@@ -9015,7 +9015,7 @@
           <a:p>
             <a:fld id="{F34E6425-0181-43F2-84FC-787E803FD2F8}" type="datetimeFigureOut">
               <a:rPr lang="en-US" dirty="0"/>
-              <a:t>12/7/2020</a:t>
+              <a:t>11/23/2021</a:t>
             </a:fld>
             <a:endParaRPr lang="en-US" dirty="0"/>
           </a:p>
@@ -9283,7 +9283,7 @@
           <a:p>
             <a:fld id="{3BDB8791-F1B0-41E7-B7FD-A781E65C4266}" type="datetimeFigureOut">
               <a:rPr lang="en-US" dirty="0"/>
-              <a:t>12/7/2020</a:t>
+              <a:t>11/23/2021</a:t>
             </a:fld>
             <a:endParaRPr lang="en-US" dirty="0"/>
           </a:p>
@@ -9689,7 +9689,7 @@
           <a:p>
             <a:fld id="{5FDD63B2-E120-4ED8-B27B-C685F510A5FE}" type="datetimeFigureOut">
               <a:rPr lang="en-US" dirty="0"/>
-              <a:t>12/7/2020</a:t>
+              <a:t>11/23/2021</a:t>
             </a:fld>
             <a:endParaRPr lang="en-US" dirty="0"/>
           </a:p>
@@ -9812,7 +9812,7 @@
           <a:p>
             <a:fld id="{7AA18ACC-A947-437B-A130-35BD54FDF1E9}" type="datetimeFigureOut">
               <a:rPr lang="en-US" dirty="0"/>
-              <a:t>12/7/2020</a:t>
+              <a:t>11/23/2021</a:t>
             </a:fld>
             <a:endParaRPr lang="en-US" dirty="0"/>
           </a:p>
@@ -9903,7 +9903,7 @@
           <a:p>
             <a:fld id="{7C8D7E02-BCB8-4D50-A234-369438C08659}" type="datetimeFigureOut">
               <a:rPr lang="en-US" dirty="0"/>
-              <a:t>12/7/2020</a:t>
+              <a:t>11/23/2021</a:t>
             </a:fld>
             <a:endParaRPr lang="en-US" dirty="0"/>
           </a:p>
@@ -10980,7 +10980,7 @@
           <a:p>
             <a:fld id="{76E86A4C-8E40-4F87-A4F0-01A0687C5742}" type="datetimeFigureOut">
               <a:rPr lang="en-US" dirty="0"/>
-              <a:t>12/7/2020</a:t>
+              <a:t>11/23/2021</a:t>
             </a:fld>
             <a:endParaRPr lang="en-US" dirty="0"/>
           </a:p>
@@ -12084,7 +12084,7 @@
           <a:p>
             <a:fld id="{35E72C73-2D91-4E12-BA25-F0AA0C03599B}" type="datetimeFigureOut">
               <a:rPr lang="en-US" dirty="0"/>
-              <a:t>12/7/2020</a:t>
+              <a:t>11/23/2021</a:t>
             </a:fld>
             <a:endParaRPr lang="en-US" dirty="0"/>
           </a:p>
@@ -13077,7 +13077,7 @@
           <a:p>
             <a:fld id="{2BE451C3-0FF4-47C4-B829-773ADF60F88C}" type="datetimeFigureOut">
               <a:rPr lang="en-US" dirty="0"/>
-              <a:t>12/7/2020</a:t>
+              <a:t>11/23/2021</a:t>
             </a:fld>
             <a:endParaRPr lang="en-US" dirty="0"/>
           </a:p>
@@ -14654,12 +14654,8 @@
           </a:p>
           <a:p>
             <a:r>
-              <a:rPr lang="en-US"/>
-              <a:t>Pneumatic </a:t>
-            </a:r>
-            <a:r>
               <a:rPr lang="en-US" dirty="0"/>
-              <a:t>object properties:</a:t>
+              <a:t>Pneumatic object properties:</a:t>
             </a:r>
           </a:p>
           <a:p>
@@ -14673,7 +14669,7 @@
             <a:pPr lvl="1"/>
             <a:r>
               <a:rPr lang="en-US" dirty="0"/>
-              <a:t>Set pneumatic channels ON only for.</a:t>
+              <a:t>Set pneumatic channels ON only for a period of time.</a:t>
             </a:r>
           </a:p>
           <a:p>
